--- a/防抖&节流.pptx
+++ b/防抖&节流.pptx
@@ -5,13 +5,15 @@
     <p:sldMasterId id="2147483648" r:id="rId1"/>
   </p:sldMasterIdLst>
   <p:notesMasterIdLst>
-    <p:notesMasterId r:id="rId7"/>
+    <p:notesMasterId r:id="rId9"/>
   </p:notesMasterIdLst>
   <p:sldIdLst>
     <p:sldId id="409" r:id="rId3"/>
     <p:sldId id="414" r:id="rId4"/>
     <p:sldId id="415" r:id="rId5"/>
     <p:sldId id="416" r:id="rId6"/>
+    <p:sldId id="417" r:id="rId7"/>
+    <p:sldId id="418" r:id="rId8"/>
   </p:sldIdLst>
   <p:sldSz cx="12192000" cy="6858000"/>
   <p:notesSz cx="6858000" cy="9144000"/>
@@ -4820,8 +4822,8 @@
         </p:nvSpPr>
         <p:spPr>
           <a:xfrm>
-            <a:off x="4014470" y="2971800"/>
-            <a:ext cx="828675" cy="287655"/>
+            <a:off x="3816985" y="2757170"/>
+            <a:ext cx="922655" cy="338455"/>
           </a:xfrm>
           <a:prstGeom prst="flowChartAlternateProcess">
             <a:avLst/>
@@ -4863,18 +4865,20 @@
         </p:nvSpPr>
         <p:spPr>
           <a:xfrm>
-            <a:off x="1717675" y="2854325"/>
-            <a:ext cx="8750300" cy="1149985"/>
+            <a:off x="1485265" y="2656205"/>
+            <a:ext cx="9221470" cy="1544955"/>
           </a:xfrm>
         </p:spPr>
         <p:txBody>
-          <a:bodyPr/>
+          <a:bodyPr>
+            <a:noAutofit/>
+          </a:bodyPr>
           <a:p>
             <a:pPr marL="0" indent="0" algn="ctr">
               <a:buNone/>
             </a:pPr>
             <a:r>
-              <a:rPr lang="zh-CN" altLang="en-US">
+              <a:rPr lang="zh-CN" altLang="en-US" sz="2000">
                 <a:solidFill>
                   <a:schemeClr val="bg1"/>
                 </a:solidFill>
@@ -4884,7 +4888,7 @@
               <a:t>有一个   搜索  ，每次点击都会发送一次</a:t>
             </a:r>
             <a:r>
-              <a:rPr lang="en-US" altLang="zh-CN">
+              <a:rPr lang="en-US" altLang="zh-CN" sz="2000">
                 <a:solidFill>
                   <a:schemeClr val="bg1"/>
                 </a:solidFill>
@@ -4894,7 +4898,7 @@
               <a:t>AJAX</a:t>
             </a:r>
             <a:r>
-              <a:rPr>
+              <a:rPr sz="2000">
                 <a:solidFill>
                   <a:schemeClr val="bg1"/>
                 </a:solidFill>
@@ -4903,7 +4907,7 @@
               </a:rPr>
               <a:t>请求。</a:t>
             </a:r>
-            <a:endParaRPr>
+            <a:endParaRPr sz="2000">
               <a:solidFill>
                 <a:schemeClr val="bg1"/>
               </a:solidFill>
@@ -4916,7 +4920,7 @@
               <a:buNone/>
             </a:pPr>
             <a:r>
-              <a:rPr>
+              <a:rPr sz="2000">
                 <a:solidFill>
                   <a:schemeClr val="bg1"/>
                 </a:solidFill>
@@ -4926,14 +4930,14 @@
               <a:t>如果用户连续大量的点击，必然会发送大量重复的请求，</a:t>
             </a:r>
             <a:r>
-              <a:rPr>
+              <a:rPr sz="2000">
                 <a:solidFill>
                   <a:srgbClr val="FF0000"/>
                 </a:solidFill>
               </a:rPr>
               <a:t>浪费服务器资源</a:t>
             </a:r>
-            <a:endParaRPr>
+            <a:endParaRPr sz="2000">
               <a:solidFill>
                 <a:srgbClr val="FF0000"/>
               </a:solidFill>
@@ -5002,7 +5006,7 @@
         </p:nvSpPr>
         <p:spPr>
           <a:xfrm>
-            <a:off x="1720850" y="2853690"/>
+            <a:off x="1720850" y="2656205"/>
             <a:ext cx="8750300" cy="1149985"/>
           </a:xfrm>
         </p:spPr>
@@ -5013,7 +5017,7 @@
               <a:buNone/>
             </a:pPr>
             <a:r>
-              <a:rPr>
+              <a:rPr sz="2000">
                 <a:solidFill>
                   <a:schemeClr val="bg1"/>
                 </a:solidFill>
@@ -5024,7 +5028,7 @@
               <a:t>页面上有大量的</a:t>
             </a:r>
             <a:r>
-              <a:rPr lang="en-US" altLang="zh-CN">
+              <a:rPr lang="en-US" altLang="zh-CN" sz="2000">
                 <a:solidFill>
                   <a:schemeClr val="bg1"/>
                 </a:solidFill>
@@ -5035,7 +5039,7 @@
               <a:t>echart</a:t>
             </a:r>
             <a:r>
-              <a:rPr>
+              <a:rPr sz="2000">
                 <a:solidFill>
                   <a:schemeClr val="bg1"/>
                 </a:solidFill>
@@ -5046,7 +5050,7 @@
               <a:t>图标，都监听了</a:t>
             </a:r>
             <a:r>
-              <a:rPr lang="en-US" altLang="zh-CN">
+              <a:rPr lang="en-US" altLang="zh-CN" sz="2000">
                 <a:solidFill>
                   <a:schemeClr val="bg1"/>
                 </a:solidFill>
@@ -5057,7 +5061,7 @@
               <a:t>resize</a:t>
             </a:r>
             <a:r>
-              <a:rPr>
+              <a:rPr sz="2000">
                 <a:solidFill>
                   <a:schemeClr val="bg1"/>
                 </a:solidFill>
@@ -5067,7 +5071,7 @@
               </a:rPr>
               <a:t>事件，</a:t>
             </a:r>
-            <a:endParaRPr>
+            <a:endParaRPr sz="2000">
               <a:solidFill>
                 <a:schemeClr val="bg1"/>
               </a:solidFill>
@@ -5081,7 +5085,7 @@
               <a:buNone/>
             </a:pPr>
             <a:r>
-              <a:rPr lang="en-US" altLang="zh-CN">
+              <a:rPr lang="en-US" altLang="zh-CN" sz="2000">
                 <a:solidFill>
                   <a:schemeClr val="bg1"/>
                 </a:solidFill>
@@ -5092,7 +5096,7 @@
               <a:t>window resize </a:t>
             </a:r>
             <a:r>
-              <a:rPr>
+              <a:rPr sz="2000">
                 <a:solidFill>
                   <a:schemeClr val="bg1"/>
                 </a:solidFill>
@@ -5103,7 +5107,7 @@
               <a:t>的时候频繁触发</a:t>
             </a:r>
             <a:r>
-              <a:rPr lang="en-US" altLang="zh-CN">
+              <a:rPr lang="en-US" altLang="zh-CN" sz="2000">
                 <a:solidFill>
                   <a:schemeClr val="bg1"/>
                 </a:solidFill>
@@ -5115,7 +5119,7 @@
               <a:t>resize</a:t>
             </a:r>
             <a:r>
-              <a:rPr>
+              <a:rPr sz="2000">
                 <a:solidFill>
                   <a:schemeClr val="bg1"/>
                 </a:solidFill>
@@ -5127,7 +5131,7 @@
               <a:t>事件导致页面</a:t>
             </a:r>
             <a:r>
-              <a:rPr>
+              <a:rPr sz="2000">
                 <a:solidFill>
                   <a:srgbClr val="FF0000"/>
                 </a:solidFill>
@@ -5138,7 +5142,7 @@
               </a:rPr>
               <a:t>性能下降</a:t>
             </a:r>
-            <a:endParaRPr>
+            <a:endParaRPr sz="2000">
               <a:solidFill>
                 <a:srgbClr val="FF0000"/>
               </a:solidFill>
@@ -5153,6 +5157,259 @@
     </p:spTree>
     <p:custDataLst>
       <p:tags r:id="rId1"/>
+    </p:custDataLst>
+  </p:cSld>
+  <p:clrMapOvr>
+    <a:masterClrMapping/>
+  </p:clrMapOvr>
+</p:sld>
+</file>
+
+<file path=ppt/slides/slide5.xml><?xml version="1.0" encoding="utf-8"?>
+<p:sld xmlns:a="http://schemas.openxmlformats.org/drawingml/2006/main" xmlns:r="http://schemas.openxmlformats.org/officeDocument/2006/relationships" xmlns:p="http://schemas.openxmlformats.org/presentationml/2006/main">
+  <p:cSld>
+    <p:spTree>
+      <p:nvGrpSpPr>
+        <p:cNvPr id="1" name=""/>
+        <p:cNvGrpSpPr/>
+        <p:nvPr/>
+      </p:nvGrpSpPr>
+      <p:grpSpPr/>
+      <p:sp>
+        <p:nvSpPr>
+          <p:cNvPr id="5" name="文本框 4"/>
+          <p:cNvSpPr txBox="1"/>
+          <p:nvPr/>
+        </p:nvSpPr>
+        <p:spPr>
+          <a:xfrm>
+            <a:off x="1824990" y="3729990"/>
+            <a:ext cx="9003030" cy="1506855"/>
+          </a:xfrm>
+          <a:prstGeom prst="rect">
+            <a:avLst/>
+          </a:prstGeom>
+          <a:noFill/>
+        </p:spPr>
+        <p:txBody>
+          <a:bodyPr wrap="square" rtlCol="0">
+            <a:spAutoFit/>
+          </a:bodyPr>
+          <a:p>
+            <a:pPr>
+              <a:lnSpc>
+                <a:spcPct val="80000"/>
+              </a:lnSpc>
+            </a:pPr>
+            <a:r>
+              <a:rPr lang="en-US" altLang="zh-CN" sz="4000">
+                <a:solidFill>
+                  <a:schemeClr val="bg1"/>
+                </a:solidFill>
+              </a:rPr>
+              <a:t>_.debounce(func, [wait=0], [options={}])</a:t>
+            </a:r>
+            <a:endParaRPr lang="en-US" altLang="zh-CN" sz="4000">
+              <a:solidFill>
+                <a:schemeClr val="bg1"/>
+              </a:solidFill>
+            </a:endParaRPr>
+          </a:p>
+          <a:p>
+            <a:pPr>
+              <a:lnSpc>
+                <a:spcPct val="150000"/>
+              </a:lnSpc>
+            </a:pPr>
+            <a:r>
+              <a:rPr lang="en-US" altLang="zh-CN" sz="2000">
+                <a:solidFill>
+                  <a:schemeClr val="bg1"/>
+                </a:solidFill>
+              </a:rPr>
+              <a:t>创建一个 debounced（防抖动）函数，该函数会从上一次被调用后，延迟</a:t>
+            </a:r>
+            <a:r>
+              <a:rPr lang="en-US" altLang="zh-CN" sz="2000">
+                <a:solidFill>
+                  <a:schemeClr val="accent4"/>
+                </a:solidFill>
+              </a:rPr>
+              <a:t> wait</a:t>
+            </a:r>
+            <a:r>
+              <a:rPr lang="en-US" altLang="zh-CN" sz="2000">
+                <a:solidFill>
+                  <a:schemeClr val="bg1"/>
+                </a:solidFill>
+              </a:rPr>
+              <a:t> 毫秒后调用 </a:t>
+            </a:r>
+            <a:r>
+              <a:rPr lang="en-US" altLang="zh-CN" sz="2000">
+                <a:solidFill>
+                  <a:schemeClr val="accent4"/>
+                </a:solidFill>
+              </a:rPr>
+              <a:t>func</a:t>
+            </a:r>
+            <a:endParaRPr lang="en-US" altLang="zh-CN" sz="2000">
+              <a:solidFill>
+                <a:schemeClr val="bg1"/>
+              </a:solidFill>
+            </a:endParaRPr>
+          </a:p>
+        </p:txBody>
+      </p:sp>
+      <p:sp>
+        <p:nvSpPr>
+          <p:cNvPr id="6" name="文本框 5"/>
+          <p:cNvSpPr txBox="1"/>
+          <p:nvPr/>
+        </p:nvSpPr>
+        <p:spPr>
+          <a:xfrm>
+            <a:off x="1824990" y="1649095"/>
+            <a:ext cx="8763000" cy="1045210"/>
+          </a:xfrm>
+          <a:prstGeom prst="rect">
+            <a:avLst/>
+          </a:prstGeom>
+          <a:noFill/>
+        </p:spPr>
+        <p:txBody>
+          <a:bodyPr wrap="square" rtlCol="0">
+            <a:spAutoFit/>
+          </a:bodyPr>
+          <a:p>
+            <a:pPr>
+              <a:lnSpc>
+                <a:spcPct val="80000"/>
+              </a:lnSpc>
+            </a:pPr>
+            <a:r>
+              <a:rPr lang="en-US" altLang="zh-CN" sz="4000">
+                <a:solidFill>
+                  <a:schemeClr val="bg1"/>
+                </a:solidFill>
+              </a:rPr>
+              <a:t>_.throttle(func, [wait=0], [options={}])</a:t>
+            </a:r>
+            <a:endParaRPr lang="en-US" altLang="zh-CN" sz="4000">
+              <a:solidFill>
+                <a:schemeClr val="bg1"/>
+              </a:solidFill>
+            </a:endParaRPr>
+          </a:p>
+          <a:p>
+            <a:pPr>
+              <a:lnSpc>
+                <a:spcPct val="150000"/>
+              </a:lnSpc>
+            </a:pPr>
+            <a:r>
+              <a:rPr lang="en-US" altLang="zh-CN" sz="2000">
+                <a:solidFill>
+                  <a:schemeClr val="bg1"/>
+                </a:solidFill>
+              </a:rPr>
+              <a:t>创建一个节流函数，在 </a:t>
+            </a:r>
+            <a:r>
+              <a:rPr lang="en-US" altLang="zh-CN" sz="2000">
+                <a:solidFill>
+                  <a:schemeClr val="accent4"/>
+                </a:solidFill>
+              </a:rPr>
+              <a:t>wait </a:t>
+            </a:r>
+            <a:r>
+              <a:rPr lang="en-US" altLang="zh-CN" sz="2000">
+                <a:solidFill>
+                  <a:schemeClr val="bg1"/>
+                </a:solidFill>
+              </a:rPr>
+              <a:t>秒内最多执行 </a:t>
+            </a:r>
+            <a:r>
+              <a:rPr lang="en-US" altLang="zh-CN" sz="2000">
+                <a:solidFill>
+                  <a:schemeClr val="accent4"/>
+                </a:solidFill>
+              </a:rPr>
+              <a:t>func</a:t>
+            </a:r>
+            <a:r>
+              <a:rPr lang="en-US" altLang="zh-CN" sz="2000">
+                <a:solidFill>
+                  <a:schemeClr val="bg1"/>
+                </a:solidFill>
+              </a:rPr>
+              <a:t> 一次的函数</a:t>
+            </a:r>
+            <a:endParaRPr lang="en-US" altLang="zh-CN" sz="2000">
+              <a:solidFill>
+                <a:schemeClr val="bg1"/>
+              </a:solidFill>
+            </a:endParaRPr>
+          </a:p>
+        </p:txBody>
+      </p:sp>
+    </p:spTree>
+    <p:custDataLst>
+      <p:tags r:id="rId1"/>
+    </p:custDataLst>
+  </p:cSld>
+  <p:clrMapOvr>
+    <a:masterClrMapping/>
+  </p:clrMapOvr>
+</p:sld>
+</file>
+
+<file path=ppt/slides/slide6.xml><?xml version="1.0" encoding="utf-8"?>
+<p:sld xmlns:a="http://schemas.openxmlformats.org/drawingml/2006/main" xmlns:r="http://schemas.openxmlformats.org/officeDocument/2006/relationships" xmlns:p="http://schemas.openxmlformats.org/presentationml/2006/main">
+  <p:cSld>
+    <p:spTree>
+      <p:nvGrpSpPr>
+        <p:cNvPr id="1" name=""/>
+        <p:cNvGrpSpPr/>
+        <p:nvPr/>
+      </p:nvGrpSpPr>
+      <p:grpSpPr>
+        <a:xfrm>
+          <a:off x="0" y="0"/>
+          <a:ext cx="0" cy="0"/>
+          <a:chOff x="0" y="0"/>
+          <a:chExt cx="0" cy="0"/>
+        </a:xfrm>
+      </p:grpSpPr>
+      <p:pic>
+        <p:nvPicPr>
+          <p:cNvPr id="4" name="图片 3" descr="微信图片_20210114002236"/>
+          <p:cNvPicPr>
+            <a:picLocks noChangeAspect="1"/>
+          </p:cNvPicPr>
+          <p:nvPr/>
+        </p:nvPicPr>
+        <p:blipFill>
+          <a:blip r:embed="rId1"/>
+          <a:stretch>
+            <a:fillRect/>
+          </a:stretch>
+        </p:blipFill>
+        <p:spPr>
+          <a:xfrm>
+            <a:off x="3646170" y="1021715"/>
+            <a:ext cx="4899660" cy="4813935"/>
+          </a:xfrm>
+          <a:prstGeom prst="rect">
+            <a:avLst/>
+          </a:prstGeom>
+        </p:spPr>
+      </p:pic>
+    </p:spTree>
+    <p:custDataLst>
+      <p:tags r:id="rId2"/>
     </p:custDataLst>
   </p:cSld>
   <p:clrMapOvr>
@@ -6024,6 +6281,14 @@
 </p:tagLst>
 </file>
 
+<file path=ppt/tags/tag69.xml><?xml version="1.0" encoding="utf-8"?>
+<p:tagLst xmlns:p="http://schemas.openxmlformats.org/presentationml/2006/main">
+  <p:tag name="KSO_WM_BEAUTIFY_FLAG" val="#wm#"/>
+  <p:tag name="KSO_WM_TEMPLATE_CATEGORY" val="custom"/>
+  <p:tag name="KSO_WM_TEMPLATE_INDEX" val="20205175"/>
+</p:tagLst>
+</file>
+
 <file path=ppt/tags/tag7.xml><?xml version="1.0" encoding="utf-8"?>
 <p:tagLst xmlns:p="http://schemas.openxmlformats.org/presentationml/2006/main">
   <p:tag name="KSO_WM_UNIT_HIGHLIGHT" val="0"/>
@@ -6034,6 +6299,27 @@
   <p:tag name="KSO_WM_UNIT_LAYERLEVEL" val="1"/>
   <p:tag name="KSO_WM_TAG_VERSION" val="1.0"/>
   <p:tag name="KSO_WM_BEAUTIFY_FLAG" val="#wm#"/>
+</p:tagLst>
+</file>
+
+<file path=ppt/tags/tag70.xml><?xml version="1.0" encoding="utf-8"?>
+<p:tagLst xmlns:p="http://schemas.openxmlformats.org/presentationml/2006/main">
+  <p:tag name="KSO_WM_SLIDE_ID" val="custom20205175_1"/>
+  <p:tag name="KSO_WM_TEMPLATE_SUBCATEGORY" val="19"/>
+  <p:tag name="KSO_WM_TEMPLATE_MASTER_TYPE" val="0"/>
+  <p:tag name="KSO_WM_TEMPLATE_COLOR_TYPE" val="1"/>
+  <p:tag name="KSO_WM_SLIDE_TYPE" val="title"/>
+  <p:tag name="KSO_WM_SLIDE_SUBTYPE" val="defaultBlank"/>
+  <p:tag name="KSO_WM_SLIDE_ITEM_CNT" val="0"/>
+  <p:tag name="KSO_WM_SLIDE_INDEX" val="1"/>
+  <p:tag name="KSO_WM_TAG_VERSION" val="1.0"/>
+  <p:tag name="KSO_WM_BEAUTIFY_FLAG" val="#wm#"/>
+  <p:tag name="KSO_WM_TEMPLATE_CATEGORY" val="custom"/>
+  <p:tag name="KSO_WM_TEMPLATE_INDEX" val="20205175"/>
+  <p:tag name="KSO_WM_SLIDE_LAYOUT" val="a_b"/>
+  <p:tag name="KSO_WM_SLIDE_LAYOUT_CNT" val="1_1"/>
+  <p:tag name="KSO_WM_UNIT_SHOW_EDIT_AREA_INDICATION" val="1"/>
+  <p:tag name="KSO_WM_TEMPLATE_THUMBS_INDEX" val="1、4、7、12、13、14、15、16、17、18、20、24、25、28、33、36、40、43、44"/>
 </p:tagLst>
 </file>
 

--- a/防抖&节流.pptx
+++ b/防抖&节流.pptx
@@ -5,15 +5,20 @@
     <p:sldMasterId id="2147483648" r:id="rId1"/>
   </p:sldMasterIdLst>
   <p:notesMasterIdLst>
-    <p:notesMasterId r:id="rId9"/>
+    <p:notesMasterId r:id="rId7"/>
   </p:notesMasterIdLst>
   <p:sldIdLst>
     <p:sldId id="409" r:id="rId3"/>
     <p:sldId id="414" r:id="rId4"/>
     <p:sldId id="415" r:id="rId5"/>
     <p:sldId id="416" r:id="rId6"/>
-    <p:sldId id="417" r:id="rId7"/>
-    <p:sldId id="418" r:id="rId8"/>
+    <p:sldId id="417" r:id="rId8"/>
+    <p:sldId id="418" r:id="rId9"/>
+    <p:sldId id="420" r:id="rId10"/>
+    <p:sldId id="419" r:id="rId11"/>
+    <p:sldId id="421" r:id="rId12"/>
+    <p:sldId id="422" r:id="rId13"/>
+    <p:sldId id="424" r:id="rId14"/>
   </p:sldIdLst>
   <p:sldSz cx="12192000" cy="6858000"/>
   <p:notesSz cx="6858000" cy="9144000"/>
@@ -115,6 +120,12 @@
 </p:presentation>
 </file>
 
+<file path=ppt/commentAuthors.xml><?xml version="1.0" encoding="utf-8"?>
+<p:cmAuthorLst xmlns:a="http://schemas.openxmlformats.org/drawingml/2006/main" xmlns:r="http://schemas.openxmlformats.org/officeDocument/2006/relationships" xmlns:p="http://schemas.openxmlformats.org/presentationml/2006/main">
+  <p:cmAuthor id="1" name="WebLW" initials="W" lastIdx="1" clrIdx="0"/>
+</p:cmAuthorLst>
+</file>
+
 <file path=ppt/notesMasters/notesMaster1.xml><?xml version="1.0" encoding="utf-8"?>
 <p:notesMaster xmlns:a="http://schemas.openxmlformats.org/drawingml/2006/main" xmlns:r="http://schemas.openxmlformats.org/officeDocument/2006/relationships" xmlns:p="http://schemas.openxmlformats.org/presentationml/2006/main">
   <p:cSld>
@@ -460,6 +471,218 @@
     </a:lvl9pPr>
   </p:notesStyle>
 </p:notesMaster>
+</file>
+
+<file path=ppt/notesSlides/notesSlide1.xml><?xml version="1.0" encoding="utf-8"?>
+<p:notes xmlns:a="http://schemas.openxmlformats.org/drawingml/2006/main" xmlns:r="http://schemas.openxmlformats.org/officeDocument/2006/relationships" xmlns:p="http://schemas.openxmlformats.org/presentationml/2006/main">
+  <p:cSld>
+    <p:spTree>
+      <p:nvGrpSpPr>
+        <p:cNvPr id="1" name=""/>
+        <p:cNvGrpSpPr/>
+        <p:nvPr/>
+      </p:nvGrpSpPr>
+      <p:grpSpPr/>
+      <p:sp>
+        <p:nvSpPr>
+          <p:cNvPr id="2" name="幻灯片图像占位符 1"/>
+          <p:cNvSpPr/>
+          <p:nvPr>
+            <p:ph type="sldImg" idx="2"/>
+          </p:nvPr>
+        </p:nvSpPr>
+        <p:spPr/>
+      </p:sp>
+      <p:sp>
+        <p:nvSpPr>
+          <p:cNvPr id="3" name="文本占位符 2"/>
+          <p:cNvSpPr/>
+          <p:nvPr>
+            <p:ph type="body" idx="3"/>
+          </p:nvPr>
+        </p:nvSpPr>
+        <p:spPr/>
+        <p:txBody>
+          <a:bodyPr/>
+          <a:p>
+            <a:r>
+              <a:rPr lang="zh-CN" altLang="en-US"/>
+              <a:t>看Scoll案例</a:t>
+            </a:r>
+            <a:endParaRPr lang="zh-CN" altLang="en-US"/>
+          </a:p>
+        </p:txBody>
+      </p:sp>
+    </p:spTree>
+  </p:cSld>
+  <p:clrMapOvr>
+    <a:masterClrMapping/>
+  </p:clrMapOvr>
+</p:notes>
+</file>
+
+<file path=ppt/notesSlides/notesSlide2.xml><?xml version="1.0" encoding="utf-8"?>
+<p:notes xmlns:a="http://schemas.openxmlformats.org/drawingml/2006/main" xmlns:r="http://schemas.openxmlformats.org/officeDocument/2006/relationships" xmlns:p="http://schemas.openxmlformats.org/presentationml/2006/main">
+  <p:cSld>
+    <p:spTree>
+      <p:nvGrpSpPr>
+        <p:cNvPr id="1" name=""/>
+        <p:cNvGrpSpPr/>
+        <p:nvPr/>
+      </p:nvGrpSpPr>
+      <p:grpSpPr/>
+      <p:sp>
+        <p:nvSpPr>
+          <p:cNvPr id="2" name="幻灯片图像占位符 1"/>
+          <p:cNvSpPr/>
+          <p:nvPr>
+            <p:ph type="sldImg" idx="2"/>
+          </p:nvPr>
+        </p:nvSpPr>
+        <p:spPr/>
+      </p:sp>
+      <p:sp>
+        <p:nvSpPr>
+          <p:cNvPr id="3" name="文本占位符 2"/>
+          <p:cNvSpPr/>
+          <p:nvPr>
+            <p:ph type="body" idx="3"/>
+          </p:nvPr>
+        </p:nvSpPr>
+        <p:spPr/>
+        <p:txBody>
+          <a:bodyPr/>
+          <a:p>
+            <a:r>
+              <a:rPr lang="zh-CN" altLang="en-US"/>
+              <a:t>看debounce案例</a:t>
+            </a:r>
+            <a:endParaRPr lang="zh-CN" altLang="en-US"/>
+          </a:p>
+        </p:txBody>
+      </p:sp>
+    </p:spTree>
+  </p:cSld>
+  <p:clrMapOvr>
+    <a:masterClrMapping/>
+  </p:clrMapOvr>
+</p:notes>
+</file>
+
+<file path=ppt/notesSlides/notesSlide3.xml><?xml version="1.0" encoding="utf-8"?>
+<p:notes xmlns:a="http://schemas.openxmlformats.org/drawingml/2006/main" xmlns:r="http://schemas.openxmlformats.org/officeDocument/2006/relationships" xmlns:p="http://schemas.openxmlformats.org/presentationml/2006/main">
+  <p:cSld>
+    <p:spTree>
+      <p:nvGrpSpPr>
+        <p:cNvPr id="1" name=""/>
+        <p:cNvGrpSpPr/>
+        <p:nvPr/>
+      </p:nvGrpSpPr>
+      <p:grpSpPr/>
+      <p:sp>
+        <p:nvSpPr>
+          <p:cNvPr id="2" name="幻灯片图像占位符 1"/>
+          <p:cNvSpPr/>
+          <p:nvPr>
+            <p:ph type="sldImg" idx="2"/>
+          </p:nvPr>
+        </p:nvSpPr>
+        <p:spPr/>
+      </p:sp>
+      <p:sp>
+        <p:nvSpPr>
+          <p:cNvPr id="3" name="文本占位符 2"/>
+          <p:cNvSpPr/>
+          <p:nvPr>
+            <p:ph type="body" idx="3"/>
+          </p:nvPr>
+        </p:nvSpPr>
+        <p:spPr/>
+        <p:txBody>
+          <a:bodyPr/>
+          <a:p>
+            <a:r>
+              <a:rPr lang="zh-CN" altLang="en-US" sz="2400">
+                <a:solidFill>
+                  <a:srgbClr val="FF0000"/>
+                </a:solidFill>
+              </a:rPr>
+              <a:t>看源码</a:t>
+            </a:r>
+            <a:endParaRPr lang="zh-CN" altLang="en-US" sz="2400">
+              <a:solidFill>
+                <a:srgbClr val="FF0000"/>
+              </a:solidFill>
+            </a:endParaRPr>
+          </a:p>
+        </p:txBody>
+      </p:sp>
+    </p:spTree>
+  </p:cSld>
+  <p:clrMapOvr>
+    <a:masterClrMapping/>
+  </p:clrMapOvr>
+</p:notes>
+</file>
+
+<file path=ppt/notesSlides/notesSlide4.xml><?xml version="1.0" encoding="utf-8"?>
+<p:notes xmlns:a="http://schemas.openxmlformats.org/drawingml/2006/main" xmlns:r="http://schemas.openxmlformats.org/officeDocument/2006/relationships" xmlns:p="http://schemas.openxmlformats.org/presentationml/2006/main">
+  <p:cSld>
+    <p:spTree>
+      <p:nvGrpSpPr>
+        <p:cNvPr id="1" name=""/>
+        <p:cNvGrpSpPr/>
+        <p:nvPr/>
+      </p:nvGrpSpPr>
+      <p:grpSpPr/>
+      <p:sp>
+        <p:nvSpPr>
+          <p:cNvPr id="2" name="幻灯片图像占位符 1"/>
+          <p:cNvSpPr/>
+          <p:nvPr>
+            <p:ph type="sldImg" idx="2"/>
+          </p:nvPr>
+        </p:nvSpPr>
+        <p:spPr/>
+      </p:sp>
+      <p:sp>
+        <p:nvSpPr>
+          <p:cNvPr id="3" name="文本占位符 2"/>
+          <p:cNvSpPr/>
+          <p:nvPr>
+            <p:ph type="body" idx="3"/>
+          </p:nvPr>
+        </p:nvSpPr>
+        <p:spPr/>
+        <p:txBody>
+          <a:bodyPr/>
+          <a:p>
+            <a:r>
+              <a:rPr lang="zh-CN" altLang="en-US">
+                <a:solidFill>
+                  <a:srgbClr val="FF0000"/>
+                </a:solidFill>
+                <a:sym typeface="+mn-ea"/>
+              </a:rPr>
+              <a:t>看源码</a:t>
+            </a:r>
+            <a:endParaRPr lang="zh-CN" altLang="en-US">
+              <a:solidFill>
+                <a:srgbClr val="FF0000"/>
+              </a:solidFill>
+            </a:endParaRPr>
+          </a:p>
+          <a:p>
+            <a:endParaRPr lang="zh-CN" altLang="en-US"/>
+          </a:p>
+        </p:txBody>
+      </p:sp>
+    </p:spTree>
+  </p:cSld>
+  <p:clrMapOvr>
+    <a:masterClrMapping/>
+  </p:clrMapOvr>
+</p:notes>
 </file>
 
 <file path=ppt/slideLayouts/slideLayout1.xml><?xml version="1.0" encoding="utf-8"?>
@@ -4500,6 +4723,1034 @@
   <p:clrMapOvr>
     <a:masterClrMapping/>
   </p:clrMapOvr>
+  <mc:AlternateContent xmlns:mc="http://schemas.openxmlformats.org/markup-compatibility/2006">
+    <mc:Choice xmlns:p14="http://schemas.microsoft.com/office/powerpoint/2010/main" Requires="p14">
+      <p:transition p14:dur="2000">
+        <p:fade/>
+      </p:transition>
+    </mc:Choice>
+    <mc:Fallback>
+      <p:transition>
+        <p:fade/>
+      </p:transition>
+    </mc:Fallback>
+  </mc:AlternateContent>
+</p:sld>
+</file>
+
+<file path=ppt/slides/slide10.xml><?xml version="1.0" encoding="utf-8"?>
+<p:sld xmlns:a="http://schemas.openxmlformats.org/drawingml/2006/main" xmlns:r="http://schemas.openxmlformats.org/officeDocument/2006/relationships" xmlns:p="http://schemas.openxmlformats.org/presentationml/2006/main">
+  <p:cSld>
+    <p:spTree>
+      <p:nvGrpSpPr>
+        <p:cNvPr id="1" name=""/>
+        <p:cNvGrpSpPr/>
+        <p:nvPr/>
+      </p:nvGrpSpPr>
+      <p:grpSpPr>
+        <a:xfrm>
+          <a:off x="0" y="0"/>
+          <a:ext cx="0" cy="0"/>
+          <a:chOff x="0" y="0"/>
+          <a:chExt cx="0" cy="0"/>
+        </a:xfrm>
+      </p:grpSpPr>
+      <p:sp>
+        <p:nvSpPr>
+          <p:cNvPr id="4" name="文本框 3"/>
+          <p:cNvSpPr txBox="1"/>
+          <p:nvPr/>
+        </p:nvSpPr>
+        <p:spPr>
+          <a:xfrm>
+            <a:off x="4175760" y="885825"/>
+            <a:ext cx="3840480" cy="829945"/>
+          </a:xfrm>
+          <a:prstGeom prst="rect">
+            <a:avLst/>
+          </a:prstGeom>
+          <a:noFill/>
+        </p:spPr>
+        <p:txBody>
+          <a:bodyPr wrap="none" rtlCol="0">
+            <a:spAutoFit/>
+          </a:bodyPr>
+          <a:p>
+            <a:pPr algn="ctr"/>
+            <a:r>
+              <a:rPr lang="zh-CN" altLang="en-US" sz="4800">
+                <a:solidFill>
+                  <a:schemeClr val="bg1"/>
+                </a:solidFill>
+              </a:rPr>
+              <a:t>应用场景辨析</a:t>
+            </a:r>
+            <a:endParaRPr lang="zh-CN" altLang="en-US" sz="4800">
+              <a:solidFill>
+                <a:schemeClr val="bg1"/>
+              </a:solidFill>
+            </a:endParaRPr>
+          </a:p>
+        </p:txBody>
+      </p:sp>
+      <p:graphicFrame>
+        <p:nvGraphicFramePr>
+          <p:cNvPr id="5" name="表格 4"/>
+          <p:cNvGraphicFramePr/>
+          <p:nvPr>
+            <p:custDataLst>
+              <p:tags r:id="rId1"/>
+            </p:custDataLst>
+          </p:nvPr>
+        </p:nvGraphicFramePr>
+        <p:xfrm>
+          <a:off x="1847850" y="2209800"/>
+          <a:ext cx="8455025" cy="4053840"/>
+        </p:xfrm>
+        <a:graphic>
+          <a:graphicData uri="http://schemas.openxmlformats.org/drawingml/2006/table">
+            <a:tbl>
+              <a:tblPr firstRow="1" bandRow="1">
+                <a:tableStyleId>{5C22544A-7EE6-4342-B048-85BDC9FD1C3A}</a:tableStyleId>
+              </a:tblPr>
+              <a:tblGrid>
+                <a:gridCol w="3177540"/>
+                <a:gridCol w="2671445"/>
+                <a:gridCol w="2606040"/>
+              </a:tblGrid>
+              <a:tr h="579120">
+                <a:tc>
+                  <a:txBody>
+                    <a:bodyPr/>
+                    <a:p>
+                      <a:pPr algn="ctr">
+                        <a:buNone/>
+                      </a:pPr>
+                      <a:endParaRPr lang="zh-CN" altLang="en-US" sz="3200">
+                        <a:solidFill>
+                          <a:schemeClr val="bg1"/>
+                        </a:solidFill>
+                      </a:endParaRPr>
+                    </a:p>
+                  </a:txBody>
+                  <a:tcPr>
+                    <a:noFill/>
+                  </a:tcPr>
+                </a:tc>
+                <a:tc>
+                  <a:txBody>
+                    <a:bodyPr/>
+                    <a:p>
+                      <a:pPr algn="ctr">
+                        <a:buNone/>
+                      </a:pPr>
+                      <a:r>
+                        <a:rPr lang="en-US" altLang="zh-CN" sz="3200">
+                          <a:solidFill>
+                            <a:schemeClr val="bg1"/>
+                          </a:solidFill>
+                          <a:sym typeface="+mn-ea"/>
+                        </a:rPr>
+                        <a:t>throttle</a:t>
+                      </a:r>
+                      <a:endParaRPr lang="en-US" altLang="zh-CN" sz="3200">
+                        <a:solidFill>
+                          <a:schemeClr val="bg1"/>
+                        </a:solidFill>
+                        <a:sym typeface="+mn-ea"/>
+                      </a:endParaRPr>
+                    </a:p>
+                  </a:txBody>
+                  <a:tcPr>
+                    <a:noFill/>
+                  </a:tcPr>
+                </a:tc>
+                <a:tc>
+                  <a:txBody>
+                    <a:bodyPr/>
+                    <a:p>
+                      <a:pPr algn="ctr">
+                        <a:buNone/>
+                      </a:pPr>
+                      <a:r>
+                        <a:rPr lang="en-US" altLang="zh-CN" sz="3200">
+                          <a:solidFill>
+                            <a:schemeClr val="bg1"/>
+                          </a:solidFill>
+                          <a:sym typeface="+mn-ea"/>
+                        </a:rPr>
+                        <a:t>debounce</a:t>
+                      </a:r>
+                      <a:endParaRPr lang="en-US" altLang="zh-CN" sz="3200">
+                        <a:solidFill>
+                          <a:schemeClr val="bg1"/>
+                        </a:solidFill>
+                        <a:sym typeface="+mn-ea"/>
+                      </a:endParaRPr>
+                    </a:p>
+                  </a:txBody>
+                  <a:tcPr>
+                    <a:noFill/>
+                  </a:tcPr>
+                </a:tc>
+              </a:tr>
+              <a:tr h="579120">
+                <a:tc>
+                  <a:txBody>
+                    <a:bodyPr/>
+                    <a:p>
+                      <a:pPr algn="ctr">
+                        <a:buNone/>
+                      </a:pPr>
+                      <a:r>
+                        <a:rPr lang="en-US" altLang="zh-CN" sz="3200">
+                          <a:solidFill>
+                            <a:schemeClr val="bg1"/>
+                          </a:solidFill>
+                        </a:rPr>
+                        <a:t>click</a:t>
+                      </a:r>
+                      <a:endParaRPr lang="en-US" altLang="zh-CN" sz="3200">
+                        <a:solidFill>
+                          <a:schemeClr val="bg1"/>
+                        </a:solidFill>
+                      </a:endParaRPr>
+                    </a:p>
+                  </a:txBody>
+                  <a:tcPr>
+                    <a:noFill/>
+                  </a:tcPr>
+                </a:tc>
+                <a:tc>
+                  <a:txBody>
+                    <a:bodyPr/>
+                    <a:p>
+                      <a:pPr algn="ctr">
+                        <a:buNone/>
+                      </a:pPr>
+                      <a:endParaRPr lang="en-US" altLang="zh-CN" sz="3200">
+                        <a:solidFill>
+                          <a:schemeClr val="bg1"/>
+                        </a:solidFill>
+                      </a:endParaRPr>
+                    </a:p>
+                  </a:txBody>
+                  <a:tcPr>
+                    <a:noFill/>
+                  </a:tcPr>
+                </a:tc>
+                <a:tc>
+                  <a:txBody>
+                    <a:bodyPr/>
+                    <a:p>
+                      <a:pPr algn="ctr">
+                        <a:buNone/>
+                      </a:pPr>
+                      <a:endParaRPr lang="zh-CN" altLang="en-US" sz="3200">
+                        <a:solidFill>
+                          <a:schemeClr val="bg1"/>
+                        </a:solidFill>
+                      </a:endParaRPr>
+                    </a:p>
+                  </a:txBody>
+                  <a:tcPr>
+                    <a:noFill/>
+                  </a:tcPr>
+                </a:tc>
+              </a:tr>
+              <a:tr h="579120">
+                <a:tc>
+                  <a:txBody>
+                    <a:bodyPr/>
+                    <a:p>
+                      <a:pPr algn="ctr">
+                        <a:buNone/>
+                      </a:pPr>
+                      <a:r>
+                        <a:rPr lang="en-US" altLang="zh-CN" sz="3200">
+                          <a:solidFill>
+                            <a:schemeClr val="bg1"/>
+                          </a:solidFill>
+                        </a:rPr>
+                        <a:t>scroll</a:t>
+                      </a:r>
+                      <a:endParaRPr lang="en-US" altLang="zh-CN" sz="3200">
+                        <a:solidFill>
+                          <a:schemeClr val="bg1"/>
+                        </a:solidFill>
+                      </a:endParaRPr>
+                    </a:p>
+                  </a:txBody>
+                  <a:tcPr>
+                    <a:noFill/>
+                  </a:tcPr>
+                </a:tc>
+                <a:tc>
+                  <a:txBody>
+                    <a:bodyPr/>
+                    <a:p>
+                      <a:pPr algn="ctr">
+                        <a:buNone/>
+                      </a:pPr>
+                      <a:endParaRPr lang="zh-CN" altLang="en-US" sz="3200">
+                        <a:solidFill>
+                          <a:schemeClr val="bg1"/>
+                        </a:solidFill>
+                      </a:endParaRPr>
+                    </a:p>
+                  </a:txBody>
+                  <a:tcPr>
+                    <a:noFill/>
+                  </a:tcPr>
+                </a:tc>
+                <a:tc>
+                  <a:txBody>
+                    <a:bodyPr/>
+                    <a:p>
+                      <a:pPr algn="ctr">
+                        <a:buNone/>
+                      </a:pPr>
+                      <a:endParaRPr lang="zh-CN" altLang="en-US" sz="3200">
+                        <a:solidFill>
+                          <a:schemeClr val="bg1"/>
+                        </a:solidFill>
+                      </a:endParaRPr>
+                    </a:p>
+                  </a:txBody>
+                  <a:tcPr>
+                    <a:noFill/>
+                  </a:tcPr>
+                </a:tc>
+              </a:tr>
+              <a:tr h="579120">
+                <a:tc>
+                  <a:txBody>
+                    <a:bodyPr/>
+                    <a:p>
+                      <a:pPr algn="ctr">
+                        <a:buNone/>
+                      </a:pPr>
+                      <a:r>
+                        <a:rPr lang="en-US" altLang="zh-CN" sz="3200">
+                          <a:solidFill>
+                            <a:schemeClr val="bg1"/>
+                          </a:solidFill>
+                        </a:rPr>
+                        <a:t>resize</a:t>
+                      </a:r>
+                      <a:endParaRPr lang="en-US" altLang="zh-CN" sz="3200">
+                        <a:solidFill>
+                          <a:schemeClr val="bg1"/>
+                        </a:solidFill>
+                      </a:endParaRPr>
+                    </a:p>
+                  </a:txBody>
+                  <a:tcPr>
+                    <a:noFill/>
+                  </a:tcPr>
+                </a:tc>
+                <a:tc>
+                  <a:txBody>
+                    <a:bodyPr/>
+                    <a:p>
+                      <a:pPr algn="ctr">
+                        <a:buNone/>
+                      </a:pPr>
+                      <a:endParaRPr lang="zh-CN" altLang="en-US" sz="3200">
+                        <a:solidFill>
+                          <a:schemeClr val="bg1"/>
+                        </a:solidFill>
+                      </a:endParaRPr>
+                    </a:p>
+                  </a:txBody>
+                  <a:tcPr>
+                    <a:noFill/>
+                  </a:tcPr>
+                </a:tc>
+                <a:tc>
+                  <a:txBody>
+                    <a:bodyPr/>
+                    <a:p>
+                      <a:pPr algn="ctr">
+                        <a:buNone/>
+                      </a:pPr>
+                      <a:endParaRPr lang="zh-CN" altLang="en-US" sz="3200">
+                        <a:solidFill>
+                          <a:schemeClr val="bg1"/>
+                        </a:solidFill>
+                      </a:endParaRPr>
+                    </a:p>
+                  </a:txBody>
+                  <a:tcPr>
+                    <a:noFill/>
+                  </a:tcPr>
+                </a:tc>
+              </a:tr>
+              <a:tr h="579120">
+                <a:tc>
+                  <a:txBody>
+                    <a:bodyPr/>
+                    <a:p>
+                      <a:pPr algn="ctr">
+                        <a:buNone/>
+                      </a:pPr>
+                      <a:r>
+                        <a:rPr lang="en-US" altLang="zh-CN" sz="3200">
+                          <a:solidFill>
+                            <a:schemeClr val="bg1"/>
+                          </a:solidFill>
+                        </a:rPr>
+                        <a:t>mous</a:t>
+                      </a:r>
+                      <a:r>
+                        <a:rPr lang="en-US" altLang="zh-CN" sz="3200">
+                          <a:solidFill>
+                            <a:schemeClr val="bg1"/>
+                          </a:solidFill>
+                        </a:rPr>
+                        <a:t>emove</a:t>
+                      </a:r>
+                      <a:endParaRPr lang="en-US" altLang="zh-CN" sz="3200">
+                        <a:solidFill>
+                          <a:schemeClr val="bg1"/>
+                        </a:solidFill>
+                      </a:endParaRPr>
+                    </a:p>
+                  </a:txBody>
+                  <a:tcPr>
+                    <a:noFill/>
+                  </a:tcPr>
+                </a:tc>
+                <a:tc>
+                  <a:txBody>
+                    <a:bodyPr/>
+                    <a:p>
+                      <a:pPr algn="ctr">
+                        <a:buNone/>
+                      </a:pPr>
+                      <a:endParaRPr lang="zh-CN" altLang="en-US" sz="3200">
+                        <a:solidFill>
+                          <a:schemeClr val="bg1"/>
+                        </a:solidFill>
+                      </a:endParaRPr>
+                    </a:p>
+                  </a:txBody>
+                  <a:tcPr>
+                    <a:noFill/>
+                  </a:tcPr>
+                </a:tc>
+                <a:tc>
+                  <a:txBody>
+                    <a:bodyPr/>
+                    <a:p>
+                      <a:pPr algn="ctr">
+                        <a:buNone/>
+                      </a:pPr>
+                      <a:endParaRPr lang="zh-CN" altLang="en-US" sz="3200">
+                        <a:solidFill>
+                          <a:schemeClr val="bg1"/>
+                        </a:solidFill>
+                      </a:endParaRPr>
+                    </a:p>
+                  </a:txBody>
+                  <a:tcPr>
+                    <a:noFill/>
+                  </a:tcPr>
+                </a:tc>
+              </a:tr>
+              <a:tr h="579120">
+                <a:tc>
+                  <a:txBody>
+                    <a:bodyPr/>
+                    <a:p>
+                      <a:pPr algn="ctr">
+                        <a:buNone/>
+                      </a:pPr>
+                      <a:r>
+                        <a:rPr lang="en-US" altLang="zh-CN" sz="3200">
+                          <a:solidFill>
+                            <a:schemeClr val="bg1"/>
+                          </a:solidFill>
+                          <a:sym typeface="+mn-ea"/>
+                        </a:rPr>
+                        <a:t>scroll &amp; load</a:t>
+                      </a:r>
+                      <a:endParaRPr lang="en-US" altLang="zh-CN" sz="3200">
+                        <a:solidFill>
+                          <a:schemeClr val="bg1"/>
+                        </a:solidFill>
+                        <a:sym typeface="+mn-ea"/>
+                      </a:endParaRPr>
+                    </a:p>
+                  </a:txBody>
+                  <a:tcPr>
+                    <a:noFill/>
+                  </a:tcPr>
+                </a:tc>
+                <a:tc>
+                  <a:txBody>
+                    <a:bodyPr/>
+                    <a:p>
+                      <a:pPr algn="ctr">
+                        <a:buNone/>
+                      </a:pPr>
+                      <a:endParaRPr lang="zh-CN" altLang="en-US" sz="3200">
+                        <a:solidFill>
+                          <a:schemeClr val="bg1"/>
+                        </a:solidFill>
+                      </a:endParaRPr>
+                    </a:p>
+                  </a:txBody>
+                  <a:tcPr>
+                    <a:noFill/>
+                  </a:tcPr>
+                </a:tc>
+                <a:tc>
+                  <a:txBody>
+                    <a:bodyPr/>
+                    <a:p>
+                      <a:pPr algn="ctr">
+                        <a:buNone/>
+                      </a:pPr>
+                      <a:endParaRPr lang="zh-CN" altLang="en-US" sz="3200">
+                        <a:solidFill>
+                          <a:schemeClr val="bg1"/>
+                        </a:solidFill>
+                      </a:endParaRPr>
+                    </a:p>
+                  </a:txBody>
+                  <a:tcPr>
+                    <a:noFill/>
+                  </a:tcPr>
+                </a:tc>
+              </a:tr>
+              <a:tr h="579120">
+                <a:tc>
+                  <a:txBody>
+                    <a:bodyPr/>
+                    <a:p>
+                      <a:pPr algn="ctr">
+                        <a:buNone/>
+                      </a:pPr>
+                      <a:r>
+                        <a:rPr lang="en-US" altLang="zh-CN" sz="3200">
+                          <a:solidFill>
+                            <a:schemeClr val="bg1"/>
+                          </a:solidFill>
+                        </a:rPr>
+                        <a:t>change &amp; seach</a:t>
+                      </a:r>
+                      <a:endParaRPr lang="en-US" altLang="zh-CN" sz="3200">
+                        <a:solidFill>
+                          <a:schemeClr val="bg1"/>
+                        </a:solidFill>
+                      </a:endParaRPr>
+                    </a:p>
+                  </a:txBody>
+                  <a:tcPr>
+                    <a:noFill/>
+                  </a:tcPr>
+                </a:tc>
+                <a:tc>
+                  <a:txBody>
+                    <a:bodyPr/>
+                    <a:p>
+                      <a:pPr algn="ctr">
+                        <a:buNone/>
+                      </a:pPr>
+                      <a:endParaRPr lang="zh-CN" altLang="en-US" sz="3200">
+                        <a:solidFill>
+                          <a:schemeClr val="bg1"/>
+                        </a:solidFill>
+                      </a:endParaRPr>
+                    </a:p>
+                  </a:txBody>
+                  <a:tcPr>
+                    <a:noFill/>
+                  </a:tcPr>
+                </a:tc>
+                <a:tc>
+                  <a:txBody>
+                    <a:bodyPr/>
+                    <a:p>
+                      <a:pPr algn="ctr">
+                        <a:buNone/>
+                      </a:pPr>
+                      <a:endParaRPr lang="zh-CN" altLang="en-US" sz="3200">
+                        <a:solidFill>
+                          <a:schemeClr val="bg1"/>
+                        </a:solidFill>
+                      </a:endParaRPr>
+                    </a:p>
+                  </a:txBody>
+                  <a:tcPr>
+                    <a:noFill/>
+                  </a:tcPr>
+                </a:tc>
+              </a:tr>
+            </a:tbl>
+          </a:graphicData>
+        </a:graphic>
+      </p:graphicFrame>
+      <p:pic>
+        <p:nvPicPr>
+          <p:cNvPr id="6" name="图片 5" descr="31393938393834313b31393939353233313bb2e6b4edcef3"/>
+          <p:cNvPicPr>
+            <a:picLocks noChangeAspect="1"/>
+          </p:cNvPicPr>
+          <p:nvPr/>
+        </p:nvPicPr>
+        <p:blipFill>
+          <a:blip r:embed="rId2">
+            <a:extLst>
+              <a:ext uri="{96DAC541-7B7A-43D3-8B79-37D633B846F1}">
+                <asvg:svgBlip xmlns:asvg="http://schemas.microsoft.com/office/drawing/2016/SVG/main" r:embed="rId3"/>
+              </a:ext>
+            </a:extLst>
+          </a:blip>
+          <a:stretch>
+            <a:fillRect/>
+          </a:stretch>
+        </p:blipFill>
+        <p:spPr>
+          <a:xfrm>
+            <a:off x="6156960" y="2903220"/>
+            <a:ext cx="409575" cy="409575"/>
+          </a:xfrm>
+          <a:prstGeom prst="rect">
+            <a:avLst/>
+          </a:prstGeom>
+        </p:spPr>
+      </p:pic>
+      <p:pic>
+        <p:nvPicPr>
+          <p:cNvPr id="7" name="图片 6" descr="31393938393834313b31393939353232383bb9b4d5fdc8b7"/>
+          <p:cNvPicPr>
+            <a:picLocks noChangeAspect="1"/>
+          </p:cNvPicPr>
+          <p:nvPr/>
+        </p:nvPicPr>
+        <p:blipFill>
+          <a:blip r:embed="rId4">
+            <a:extLst>
+              <a:ext uri="{96DAC541-7B7A-43D3-8B79-37D633B846F1}">
+                <asvg:svgBlip xmlns:asvg="http://schemas.microsoft.com/office/drawing/2016/SVG/main" r:embed="rId5"/>
+              </a:ext>
+            </a:extLst>
+          </a:blip>
+          <a:stretch>
+            <a:fillRect/>
+          </a:stretch>
+        </p:blipFill>
+        <p:spPr>
+          <a:xfrm>
+            <a:off x="8791575" y="2903220"/>
+            <a:ext cx="409575" cy="409575"/>
+          </a:xfrm>
+          <a:prstGeom prst="rect">
+            <a:avLst/>
+          </a:prstGeom>
+        </p:spPr>
+      </p:pic>
+      <p:pic>
+        <p:nvPicPr>
+          <p:cNvPr id="8" name="图片 7" descr="31393938393834313b31393939353232383bb9b4d5fdc8b7"/>
+          <p:cNvPicPr>
+            <a:picLocks noChangeAspect="1"/>
+          </p:cNvPicPr>
+          <p:nvPr/>
+        </p:nvPicPr>
+        <p:blipFill>
+          <a:blip r:embed="rId4">
+            <a:extLst>
+              <a:ext uri="{96DAC541-7B7A-43D3-8B79-37D633B846F1}">
+                <asvg:svgBlip xmlns:asvg="http://schemas.microsoft.com/office/drawing/2016/SVG/main" r:embed="rId5"/>
+              </a:ext>
+            </a:extLst>
+          </a:blip>
+          <a:stretch>
+            <a:fillRect/>
+          </a:stretch>
+        </p:blipFill>
+        <p:spPr>
+          <a:xfrm>
+            <a:off x="6156960" y="3427095"/>
+            <a:ext cx="409575" cy="409575"/>
+          </a:xfrm>
+          <a:prstGeom prst="rect">
+            <a:avLst/>
+          </a:prstGeom>
+        </p:spPr>
+      </p:pic>
+      <p:pic>
+        <p:nvPicPr>
+          <p:cNvPr id="9" name="图片 8" descr="31393938393834313b31393939353232383bb9b4d5fdc8b7"/>
+          <p:cNvPicPr>
+            <a:picLocks noChangeAspect="1"/>
+          </p:cNvPicPr>
+          <p:nvPr/>
+        </p:nvPicPr>
+        <p:blipFill>
+          <a:blip r:embed="rId4">
+            <a:extLst>
+              <a:ext uri="{96DAC541-7B7A-43D3-8B79-37D633B846F1}">
+                <asvg:svgBlip xmlns:asvg="http://schemas.microsoft.com/office/drawing/2016/SVG/main" r:embed="rId5"/>
+              </a:ext>
+            </a:extLst>
+          </a:blip>
+          <a:stretch>
+            <a:fillRect/>
+          </a:stretch>
+        </p:blipFill>
+        <p:spPr>
+          <a:xfrm>
+            <a:off x="8791575" y="3427095"/>
+            <a:ext cx="409575" cy="409575"/>
+          </a:xfrm>
+          <a:prstGeom prst="rect">
+            <a:avLst/>
+          </a:prstGeom>
+        </p:spPr>
+      </p:pic>
+      <p:pic>
+        <p:nvPicPr>
+          <p:cNvPr id="10" name="图片 9" descr="31393938393834313b31393939353232383bb9b4d5fdc8b7"/>
+          <p:cNvPicPr>
+            <a:picLocks noChangeAspect="1"/>
+          </p:cNvPicPr>
+          <p:nvPr/>
+        </p:nvPicPr>
+        <p:blipFill>
+          <a:blip r:embed="rId4">
+            <a:extLst>
+              <a:ext uri="{96DAC541-7B7A-43D3-8B79-37D633B846F1}">
+                <asvg:svgBlip xmlns:asvg="http://schemas.microsoft.com/office/drawing/2016/SVG/main" r:embed="rId5"/>
+              </a:ext>
+            </a:extLst>
+          </a:blip>
+          <a:stretch>
+            <a:fillRect/>
+          </a:stretch>
+        </p:blipFill>
+        <p:spPr>
+          <a:xfrm>
+            <a:off x="8791575" y="4031615"/>
+            <a:ext cx="409575" cy="409575"/>
+          </a:xfrm>
+          <a:prstGeom prst="rect">
+            <a:avLst/>
+          </a:prstGeom>
+        </p:spPr>
+      </p:pic>
+      <p:pic>
+        <p:nvPicPr>
+          <p:cNvPr id="11" name="图片 10" descr="31393938393834313b31393939353232383bb9b4d5fdc8b7"/>
+          <p:cNvPicPr>
+            <a:picLocks noChangeAspect="1"/>
+          </p:cNvPicPr>
+          <p:nvPr/>
+        </p:nvPicPr>
+        <p:blipFill>
+          <a:blip r:embed="rId4">
+            <a:extLst>
+              <a:ext uri="{96DAC541-7B7A-43D3-8B79-37D633B846F1}">
+                <asvg:svgBlip xmlns:asvg="http://schemas.microsoft.com/office/drawing/2016/SVG/main" r:embed="rId5"/>
+              </a:ext>
+            </a:extLst>
+          </a:blip>
+          <a:stretch>
+            <a:fillRect/>
+          </a:stretch>
+        </p:blipFill>
+        <p:spPr>
+          <a:xfrm>
+            <a:off x="8791575" y="5157470"/>
+            <a:ext cx="409575" cy="409575"/>
+          </a:xfrm>
+          <a:prstGeom prst="rect">
+            <a:avLst/>
+          </a:prstGeom>
+        </p:spPr>
+      </p:pic>
+      <p:pic>
+        <p:nvPicPr>
+          <p:cNvPr id="12" name="图片 11" descr="31393938393834313b31393939353232383bb9b4d5fdc8b7"/>
+          <p:cNvPicPr>
+            <a:picLocks noChangeAspect="1"/>
+          </p:cNvPicPr>
+          <p:nvPr/>
+        </p:nvPicPr>
+        <p:blipFill>
+          <a:blip r:embed="rId4">
+            <a:extLst>
+              <a:ext uri="{96DAC541-7B7A-43D3-8B79-37D633B846F1}">
+                <asvg:svgBlip xmlns:asvg="http://schemas.microsoft.com/office/drawing/2016/SVG/main" r:embed="rId5"/>
+              </a:ext>
+            </a:extLst>
+          </a:blip>
+          <a:stretch>
+            <a:fillRect/>
+          </a:stretch>
+        </p:blipFill>
+        <p:spPr>
+          <a:xfrm>
+            <a:off x="6156960" y="5786120"/>
+            <a:ext cx="409575" cy="409575"/>
+          </a:xfrm>
+          <a:prstGeom prst="rect">
+            <a:avLst/>
+          </a:prstGeom>
+        </p:spPr>
+      </p:pic>
+      <p:pic>
+        <p:nvPicPr>
+          <p:cNvPr id="13" name="图片 12" descr="31393938393834313b31393939353232383bb9b4d5fdc8b7"/>
+          <p:cNvPicPr>
+            <a:picLocks noChangeAspect="1"/>
+          </p:cNvPicPr>
+          <p:nvPr/>
+        </p:nvPicPr>
+        <p:blipFill>
+          <a:blip r:embed="rId4">
+            <a:extLst>
+              <a:ext uri="{96DAC541-7B7A-43D3-8B79-37D633B846F1}">
+                <asvg:svgBlip xmlns:asvg="http://schemas.microsoft.com/office/drawing/2016/SVG/main" r:embed="rId5"/>
+              </a:ext>
+            </a:extLst>
+          </a:blip>
+          <a:stretch>
+            <a:fillRect/>
+          </a:stretch>
+        </p:blipFill>
+        <p:spPr>
+          <a:xfrm>
+            <a:off x="6156960" y="4585970"/>
+            <a:ext cx="409575" cy="409575"/>
+          </a:xfrm>
+          <a:prstGeom prst="rect">
+            <a:avLst/>
+          </a:prstGeom>
+        </p:spPr>
+      </p:pic>
+      <p:pic>
+        <p:nvPicPr>
+          <p:cNvPr id="14" name="图片 13" descr="31393938393834313b31393939353233313bb2e6b4edcef3"/>
+          <p:cNvPicPr>
+            <a:picLocks noChangeAspect="1"/>
+          </p:cNvPicPr>
+          <p:nvPr/>
+        </p:nvPicPr>
+        <p:blipFill>
+          <a:blip r:embed="rId2">
+            <a:extLst>
+              <a:ext uri="{96DAC541-7B7A-43D3-8B79-37D633B846F1}">
+                <asvg:svgBlip xmlns:asvg="http://schemas.microsoft.com/office/drawing/2016/SVG/main" r:embed="rId3"/>
+              </a:ext>
+            </a:extLst>
+          </a:blip>
+          <a:stretch>
+            <a:fillRect/>
+          </a:stretch>
+        </p:blipFill>
+        <p:spPr>
+          <a:xfrm>
+            <a:off x="6156960" y="4032250"/>
+            <a:ext cx="409575" cy="409575"/>
+          </a:xfrm>
+          <a:prstGeom prst="rect">
+            <a:avLst/>
+          </a:prstGeom>
+        </p:spPr>
+      </p:pic>
+      <p:pic>
+        <p:nvPicPr>
+          <p:cNvPr id="15" name="图片 14" descr="31393938393834313b31393939353233313bb2e6b4edcef3"/>
+          <p:cNvPicPr>
+            <a:picLocks noChangeAspect="1"/>
+          </p:cNvPicPr>
+          <p:nvPr/>
+        </p:nvPicPr>
+        <p:blipFill>
+          <a:blip r:embed="rId2">
+            <a:extLst>
+              <a:ext uri="{96DAC541-7B7A-43D3-8B79-37D633B846F1}">
+                <asvg:svgBlip xmlns:asvg="http://schemas.microsoft.com/office/drawing/2016/SVG/main" r:embed="rId3"/>
+              </a:ext>
+            </a:extLst>
+          </a:blip>
+          <a:stretch>
+            <a:fillRect/>
+          </a:stretch>
+        </p:blipFill>
+        <p:spPr>
+          <a:xfrm>
+            <a:off x="6156960" y="5157470"/>
+            <a:ext cx="409575" cy="409575"/>
+          </a:xfrm>
+          <a:prstGeom prst="rect">
+            <a:avLst/>
+          </a:prstGeom>
+        </p:spPr>
+      </p:pic>
+      <p:pic>
+        <p:nvPicPr>
+          <p:cNvPr id="16" name="图片 15" descr="31393938393834313b31393939353233313bb2e6b4edcef3"/>
+          <p:cNvPicPr>
+            <a:picLocks noChangeAspect="1"/>
+          </p:cNvPicPr>
+          <p:nvPr/>
+        </p:nvPicPr>
+        <p:blipFill>
+          <a:blip r:embed="rId2">
+            <a:extLst>
+              <a:ext uri="{96DAC541-7B7A-43D3-8B79-37D633B846F1}">
+                <asvg:svgBlip xmlns:asvg="http://schemas.microsoft.com/office/drawing/2016/SVG/main" r:embed="rId3"/>
+              </a:ext>
+            </a:extLst>
+          </a:blip>
+          <a:stretch>
+            <a:fillRect/>
+          </a:stretch>
+        </p:blipFill>
+        <p:spPr>
+          <a:xfrm>
+            <a:off x="8791575" y="4585970"/>
+            <a:ext cx="409575" cy="409575"/>
+          </a:xfrm>
+          <a:prstGeom prst="rect">
+            <a:avLst/>
+          </a:prstGeom>
+        </p:spPr>
+      </p:pic>
+      <p:pic>
+        <p:nvPicPr>
+          <p:cNvPr id="17" name="图片 16" descr="31393938393834313b31393939353233313bb2e6b4edcef3"/>
+          <p:cNvPicPr>
+            <a:picLocks noChangeAspect="1"/>
+          </p:cNvPicPr>
+          <p:nvPr/>
+        </p:nvPicPr>
+        <p:blipFill>
+          <a:blip r:embed="rId2">
+            <a:extLst>
+              <a:ext uri="{96DAC541-7B7A-43D3-8B79-37D633B846F1}">
+                <asvg:svgBlip xmlns:asvg="http://schemas.microsoft.com/office/drawing/2016/SVG/main" r:embed="rId3"/>
+              </a:ext>
+            </a:extLst>
+          </a:blip>
+          <a:stretch>
+            <a:fillRect/>
+          </a:stretch>
+        </p:blipFill>
+        <p:spPr>
+          <a:xfrm>
+            <a:off x="8791575" y="5786120"/>
+            <a:ext cx="409575" cy="409575"/>
+          </a:xfrm>
+          <a:prstGeom prst="rect">
+            <a:avLst/>
+          </a:prstGeom>
+        </p:spPr>
+      </p:pic>
+    </p:spTree>
+    <p:custDataLst>
+      <p:tags r:id="rId6"/>
+    </p:custDataLst>
+  </p:cSld>
+  <p:clrMapOvr>
+    <a:masterClrMapping/>
+  </p:clrMapOvr>
+  <p:transition>
+    <p:pull/>
+  </p:transition>
+</p:sld>
+</file>
+
+<file path=ppt/slides/slide11.xml><?xml version="1.0" encoding="utf-8"?>
+<p:sld xmlns:a="http://schemas.openxmlformats.org/drawingml/2006/main" xmlns:r="http://schemas.openxmlformats.org/officeDocument/2006/relationships" xmlns:p="http://schemas.openxmlformats.org/presentationml/2006/main">
+  <p:cSld>
+    <p:spTree>
+      <p:nvGrpSpPr>
+        <p:cNvPr id="1" name=""/>
+        <p:cNvGrpSpPr/>
+        <p:nvPr/>
+      </p:nvGrpSpPr>
+      <p:grpSpPr/>
+      <p:pic>
+        <p:nvPicPr>
+          <p:cNvPr id="7" name="图片 6" descr="32303038313139323b32303038313134393bb4f3c4d4"/>
+          <p:cNvPicPr>
+            <a:picLocks noChangeAspect="1"/>
+          </p:cNvPicPr>
+          <p:nvPr/>
+        </p:nvPicPr>
+        <p:blipFill>
+          <a:blip r:embed="rId1">
+            <a:extLst>
+              <a:ext uri="{96DAC541-7B7A-43D3-8B79-37D633B846F1}">
+                <asvg:svgBlip xmlns:asvg="http://schemas.microsoft.com/office/drawing/2016/SVG/main" r:embed="rId2"/>
+              </a:ext>
+            </a:extLst>
+          </a:blip>
+          <a:stretch>
+            <a:fillRect/>
+          </a:stretch>
+        </p:blipFill>
+        <p:spPr>
+          <a:xfrm>
+            <a:off x="4291330" y="2247900"/>
+            <a:ext cx="3609975" cy="3609975"/>
+          </a:xfrm>
+          <a:prstGeom prst="rect">
+            <a:avLst/>
+          </a:prstGeom>
+        </p:spPr>
+      </p:pic>
+      <p:sp>
+        <p:nvSpPr>
+          <p:cNvPr id="8" name="文本框 7"/>
+          <p:cNvSpPr txBox="1"/>
+          <p:nvPr/>
+        </p:nvSpPr>
+        <p:spPr>
+          <a:xfrm>
+            <a:off x="2576195" y="1304925"/>
+            <a:ext cx="7040880" cy="1014730"/>
+          </a:xfrm>
+          <a:prstGeom prst="rect">
+            <a:avLst/>
+          </a:prstGeom>
+          <a:noFill/>
+        </p:spPr>
+        <p:txBody>
+          <a:bodyPr wrap="none" rtlCol="0">
+            <a:spAutoFit/>
+          </a:bodyPr>
+          <a:p>
+            <a:r>
+              <a:rPr lang="zh-CN" altLang="en-US" sz="6000">
+                <a:solidFill>
+                  <a:schemeClr val="bg1"/>
+                </a:solidFill>
+              </a:rPr>
+              <a:t>奇怪的知识又增加了</a:t>
+            </a:r>
+            <a:endParaRPr lang="zh-CN" altLang="en-US" sz="6000">
+              <a:solidFill>
+                <a:schemeClr val="bg1"/>
+              </a:solidFill>
+            </a:endParaRPr>
+          </a:p>
+        </p:txBody>
+      </p:sp>
+    </p:spTree>
+    <p:custDataLst>
+      <p:tags r:id="rId3"/>
+    </p:custDataLst>
+  </p:cSld>
+  <p:clrMapOvr>
+    <a:masterClrMapping/>
+  </p:clrMapOvr>
 </p:sld>
 </file>
 
@@ -4773,6 +6024,18 @@
   <p:clrMapOvr>
     <a:masterClrMapping/>
   </p:clrMapOvr>
+  <mc:AlternateContent xmlns:mc="http://schemas.openxmlformats.org/markup-compatibility/2006">
+    <mc:Choice xmlns:p14="http://schemas.microsoft.com/office/powerpoint/2010/main" Requires="p14">
+      <p:transition p14:dur="2000">
+        <p:pull/>
+      </p:transition>
+    </mc:Choice>
+    <mc:Fallback>
+      <p:transition>
+        <p:pull/>
+      </p:transition>
+    </mc:Fallback>
+  </mc:AlternateContent>
 </p:sld>
 </file>
 
@@ -4953,6 +6216,9 @@
   <p:clrMapOvr>
     <a:masterClrMapping/>
   </p:clrMapOvr>
+  <p:transition>
+    <p:pull/>
+  </p:transition>
 </p:sld>
 </file>
 
@@ -5162,6 +6428,9 @@
   <p:clrMapOvr>
     <a:masterClrMapping/>
   </p:clrMapOvr>
+  <p:transition>
+    <p:pull/>
+  </p:transition>
 </p:sld>
 </file>
 
@@ -5363,6 +6632,9 @@
   <p:clrMapOvr>
     <a:masterClrMapping/>
   </p:clrMapOvr>
+  <p:transition>
+    <p:pull/>
+  </p:transition>
 </p:sld>
 </file>
 
@@ -5399,8 +6671,8 @@
         </p:blipFill>
         <p:spPr>
           <a:xfrm>
-            <a:off x="3646170" y="1021715"/>
-            <a:ext cx="4899660" cy="4813935"/>
+            <a:off x="2803525" y="193675"/>
+            <a:ext cx="6585585" cy="6470650"/>
           </a:xfrm>
           <a:prstGeom prst="rect">
             <a:avLst/>
@@ -5415,6 +6687,458 @@
   <p:clrMapOvr>
     <a:masterClrMapping/>
   </p:clrMapOvr>
+  <p:transition>
+    <p:pull/>
+  </p:transition>
+</p:sld>
+</file>
+
+<file path=ppt/slides/slide7.xml><?xml version="1.0" encoding="utf-8"?>
+<p:sld xmlns:a="http://schemas.openxmlformats.org/drawingml/2006/main" xmlns:r="http://schemas.openxmlformats.org/officeDocument/2006/relationships" xmlns:p="http://schemas.openxmlformats.org/presentationml/2006/main">
+  <p:cSld>
+    <p:spTree>
+      <p:nvGrpSpPr>
+        <p:cNvPr id="1" name=""/>
+        <p:cNvGrpSpPr/>
+        <p:nvPr/>
+      </p:nvGrpSpPr>
+      <p:grpSpPr>
+        <a:xfrm>
+          <a:off x="0" y="0"/>
+          <a:ext cx="0" cy="0"/>
+          <a:chOff x="0" y="0"/>
+          <a:chExt cx="0" cy="0"/>
+        </a:xfrm>
+      </p:grpSpPr>
+      <p:sp>
+        <p:nvSpPr>
+          <p:cNvPr id="3" name="标题 2"/>
+          <p:cNvSpPr>
+            <a:spLocks noGrp="1"/>
+          </p:cNvSpPr>
+          <p:nvPr>
+            <p:ph type="title"/>
+            <p:custDataLst>
+              <p:tags r:id="rId1"/>
+            </p:custDataLst>
+          </p:nvPr>
+        </p:nvSpPr>
+        <p:spPr>
+          <a:xfrm>
+            <a:off x="612210" y="1304360"/>
+            <a:ext cx="10969200" cy="705600"/>
+          </a:xfrm>
+        </p:spPr>
+        <p:txBody>
+          <a:bodyPr/>
+          <a:lstStyle/>
+          <a:p>
+            <a:pPr algn="ctr"/>
+            <a:r>
+              <a:rPr lang="en-US" altLang="zh-CN">
+                <a:sym typeface="+mn-ea"/>
+              </a:rPr>
+              <a:t>_.throttle</a:t>
+            </a:r>
+            <a:r>
+              <a:rPr>
+                <a:sym typeface="+mn-ea"/>
+              </a:rPr>
+              <a:t>高级用法（</a:t>
+            </a:r>
+            <a:r>
+              <a:rPr lang="en-US" altLang="zh-CN">
+                <a:sym typeface="+mn-ea"/>
+              </a:rPr>
+              <a:t>option</a:t>
+            </a:r>
+            <a:r>
+              <a:rPr>
+                <a:sym typeface="+mn-ea"/>
+              </a:rPr>
+              <a:t>）</a:t>
+            </a:r>
+            <a:endParaRPr lang="zh-CN" altLang="en-US"/>
+          </a:p>
+        </p:txBody>
+      </p:sp>
+      <p:sp>
+        <p:nvSpPr>
+          <p:cNvPr id="2" name="内容占位符 1"/>
+          <p:cNvSpPr>
+            <a:spLocks noGrp="1"/>
+          </p:cNvSpPr>
+          <p:nvPr>
+            <p:ph idx="1"/>
+            <p:custDataLst>
+              <p:tags r:id="rId2"/>
+            </p:custDataLst>
+          </p:nvPr>
+        </p:nvSpPr>
+        <p:spPr>
+          <a:xfrm>
+            <a:off x="2549525" y="2157730"/>
+            <a:ext cx="7093585" cy="2541905"/>
+          </a:xfrm>
+        </p:spPr>
+        <p:txBody>
+          <a:bodyPr/>
+          <a:lstStyle/>
+          <a:p>
+            <a:r>
+              <a:rPr lang="zh-CN" altLang="en-US" dirty="0"/>
+              <a:t>func (Function): 要节流的函数。</a:t>
+            </a:r>
+            <a:endParaRPr lang="zh-CN" altLang="en-US" dirty="0"/>
+          </a:p>
+          <a:p>
+            <a:r>
+              <a:rPr lang="zh-CN" altLang="en-US" dirty="0"/>
+              <a:t>[wait=0] (number): 需要节流的毫秒。</a:t>
+            </a:r>
+            <a:endParaRPr lang="zh-CN" altLang="en-US" dirty="0"/>
+          </a:p>
+          <a:p>
+            <a:r>
+              <a:rPr lang="zh-CN" altLang="en-US" dirty="0"/>
+              <a:t>[options=] (Object): 选项对象。</a:t>
+            </a:r>
+            <a:endParaRPr lang="zh-CN" altLang="en-US" dirty="0"/>
+          </a:p>
+          <a:p>
+            <a:r>
+              <a:rPr lang="zh-CN" altLang="en-US" dirty="0"/>
+              <a:t>[options.leading=true] (boolean): 指定调用在节流开始前。</a:t>
+            </a:r>
+            <a:endParaRPr lang="zh-CN" altLang="en-US" dirty="0"/>
+          </a:p>
+          <a:p>
+            <a:r>
+              <a:rPr lang="zh-CN" altLang="en-US" dirty="0"/>
+              <a:t>[options.trailing=true] (boolean): 指定调用在节流结束后。</a:t>
+            </a:r>
+            <a:endParaRPr lang="zh-CN" altLang="en-US" dirty="0"/>
+          </a:p>
+        </p:txBody>
+      </p:sp>
+    </p:spTree>
+    <p:custDataLst>
+      <p:tags r:id="rId3"/>
+    </p:custDataLst>
+  </p:cSld>
+  <p:clrMapOvr>
+    <a:masterClrMapping/>
+  </p:clrMapOvr>
+  <p:transition>
+    <p:pull/>
+  </p:transition>
+</p:sld>
+</file>
+
+<file path=ppt/slides/slide8.xml><?xml version="1.0" encoding="utf-8"?>
+<p:sld xmlns:a="http://schemas.openxmlformats.org/drawingml/2006/main" xmlns:r="http://schemas.openxmlformats.org/officeDocument/2006/relationships" xmlns:p="http://schemas.openxmlformats.org/presentationml/2006/main">
+  <p:cSld>
+    <p:spTree>
+      <p:nvGrpSpPr>
+        <p:cNvPr id="1" name=""/>
+        <p:cNvGrpSpPr/>
+        <p:nvPr/>
+      </p:nvGrpSpPr>
+      <p:grpSpPr/>
+      <p:sp>
+        <p:nvSpPr>
+          <p:cNvPr id="2" name="标题 1"/>
+          <p:cNvSpPr>
+            <a:spLocks noGrp="1"/>
+          </p:cNvSpPr>
+          <p:nvPr>
+            <p:ph type="title"/>
+          </p:nvPr>
+        </p:nvSpPr>
+        <p:spPr>
+          <a:xfrm>
+            <a:off x="611575" y="1321505"/>
+            <a:ext cx="10969200" cy="705600"/>
+          </a:xfrm>
+        </p:spPr>
+        <p:txBody>
+          <a:bodyPr/>
+          <a:p>
+            <a:pPr algn="ctr"/>
+            <a:r>
+              <a:rPr lang="en-US" altLang="zh-CN">
+                <a:sym typeface="+mn-ea"/>
+              </a:rPr>
+              <a:t>_.debounce</a:t>
+            </a:r>
+            <a:r>
+              <a:rPr>
+                <a:sym typeface="+mn-ea"/>
+              </a:rPr>
+              <a:t>高级用法（</a:t>
+            </a:r>
+            <a:r>
+              <a:rPr lang="en-US" altLang="zh-CN">
+                <a:sym typeface="+mn-ea"/>
+              </a:rPr>
+              <a:t>optio</a:t>
+            </a:r>
+            <a:r>
+              <a:rPr lang="en-US" altLang="zh-CN">
+                <a:sym typeface="+mn-ea"/>
+              </a:rPr>
+              <a:t>n</a:t>
+            </a:r>
+            <a:r>
+              <a:rPr>
+                <a:sym typeface="+mn-ea"/>
+              </a:rPr>
+              <a:t>）</a:t>
+            </a:r>
+            <a:endParaRPr>
+              <a:sym typeface="+mn-ea"/>
+            </a:endParaRPr>
+          </a:p>
+        </p:txBody>
+      </p:sp>
+      <p:sp>
+        <p:nvSpPr>
+          <p:cNvPr id="3" name="内容占位符 2"/>
+          <p:cNvSpPr>
+            <a:spLocks noGrp="1"/>
+          </p:cNvSpPr>
+          <p:nvPr>
+            <p:ph idx="1"/>
+          </p:nvPr>
+        </p:nvSpPr>
+        <p:spPr>
+          <a:xfrm>
+            <a:off x="2313305" y="2219960"/>
+            <a:ext cx="7565390" cy="3023235"/>
+          </a:xfrm>
+        </p:spPr>
+        <p:txBody>
+          <a:bodyPr/>
+          <a:p>
+            <a:r>
+              <a:rPr lang="zh-CN" altLang="en-US"/>
+              <a:t>func (Function): 要防抖动的函数。</a:t>
+            </a:r>
+            <a:endParaRPr lang="zh-CN" altLang="en-US"/>
+          </a:p>
+          <a:p>
+            <a:r>
+              <a:rPr lang="zh-CN" altLang="en-US"/>
+              <a:t>[wait=0] (number): 需要延迟的毫秒数。</a:t>
+            </a:r>
+            <a:endParaRPr lang="zh-CN" altLang="en-US"/>
+          </a:p>
+          <a:p>
+            <a:r>
+              <a:rPr lang="zh-CN" altLang="en-US"/>
+              <a:t>[options=] (Object): 选项对象。</a:t>
+            </a:r>
+            <a:endParaRPr lang="zh-CN" altLang="en-US"/>
+          </a:p>
+          <a:p>
+            <a:r>
+              <a:rPr lang="zh-CN" altLang="en-US"/>
+              <a:t>[options.leading=false] (boolean): 指定在延迟开始前调用。</a:t>
+            </a:r>
+            <a:endParaRPr lang="zh-CN" altLang="en-US"/>
+          </a:p>
+          <a:p>
+            <a:r>
+              <a:rPr lang="zh-CN" altLang="en-US"/>
+              <a:t>[options.maxWait] (number): 设置 func 允许被延迟的最大值。</a:t>
+            </a:r>
+            <a:endParaRPr lang="zh-CN" altLang="en-US"/>
+          </a:p>
+          <a:p>
+            <a:r>
+              <a:rPr lang="zh-CN" altLang="en-US"/>
+              <a:t>[options.trailing=true] (boolean): 指定在延迟结束后调用。</a:t>
+            </a:r>
+            <a:endParaRPr lang="zh-CN" altLang="en-US"/>
+          </a:p>
+        </p:txBody>
+      </p:sp>
+    </p:spTree>
+    <p:custDataLst>
+      <p:tags r:id="rId1"/>
+    </p:custDataLst>
+  </p:cSld>
+  <p:clrMapOvr>
+    <a:masterClrMapping/>
+  </p:clrMapOvr>
+  <p:transition>
+    <p:pull/>
+  </p:transition>
+</p:sld>
+</file>
+
+<file path=ppt/slides/slide9.xml><?xml version="1.0" encoding="utf-8"?>
+<p:sld xmlns:a="http://schemas.openxmlformats.org/drawingml/2006/main" xmlns:r="http://schemas.openxmlformats.org/officeDocument/2006/relationships" xmlns:p="http://schemas.openxmlformats.org/presentationml/2006/main">
+  <p:cSld>
+    <p:spTree>
+      <p:nvGrpSpPr>
+        <p:cNvPr id="1" name=""/>
+        <p:cNvGrpSpPr/>
+        <p:nvPr/>
+      </p:nvGrpSpPr>
+      <p:grpSpPr>
+        <a:xfrm>
+          <a:off x="0" y="0"/>
+          <a:ext cx="0" cy="0"/>
+          <a:chOff x="0" y="0"/>
+          <a:chExt cx="0" cy="0"/>
+        </a:xfrm>
+      </p:grpSpPr>
+      <p:sp>
+        <p:nvSpPr>
+          <p:cNvPr id="6" name="文本框 5"/>
+          <p:cNvSpPr txBox="1"/>
+          <p:nvPr/>
+        </p:nvSpPr>
+        <p:spPr>
+          <a:xfrm>
+            <a:off x="1252855" y="1724025"/>
+            <a:ext cx="4653915" cy="2861310"/>
+          </a:xfrm>
+          <a:prstGeom prst="rect">
+            <a:avLst/>
+          </a:prstGeom>
+          <a:noFill/>
+        </p:spPr>
+        <p:txBody>
+          <a:bodyPr wrap="square" rtlCol="0">
+            <a:spAutoFit/>
+          </a:bodyPr>
+          <a:p>
+            <a:pPr algn="ctr"/>
+            <a:r>
+              <a:rPr lang="en-US" altLang="zh-CN" sz="6000">
+                <a:solidFill>
+                  <a:schemeClr val="bg1"/>
+                </a:solidFill>
+                <a:sym typeface="+mn-ea"/>
+              </a:rPr>
+              <a:t>throttle</a:t>
+            </a:r>
+            <a:endParaRPr lang="en-US" altLang="zh-CN" sz="6000">
+              <a:solidFill>
+                <a:schemeClr val="bg1"/>
+              </a:solidFill>
+              <a:sym typeface="+mn-ea"/>
+            </a:endParaRPr>
+          </a:p>
+          <a:p>
+            <a:pPr algn="ctr"/>
+            <a:endParaRPr lang="en-US" altLang="zh-CN" sz="6000">
+              <a:solidFill>
+                <a:schemeClr val="bg1"/>
+              </a:solidFill>
+              <a:sym typeface="+mn-ea"/>
+            </a:endParaRPr>
+          </a:p>
+          <a:p>
+            <a:pPr algn="ctr"/>
+            <a:r>
+              <a:rPr lang="zh-CN" altLang="en-US" sz="6000">
+                <a:solidFill>
+                  <a:schemeClr val="bg1"/>
+                </a:solidFill>
+                <a:sym typeface="+mn-ea"/>
+              </a:rPr>
+              <a:t>地铁</a:t>
+            </a:r>
+            <a:endParaRPr lang="zh-CN" altLang="en-US" sz="6000">
+              <a:solidFill>
+                <a:schemeClr val="bg1"/>
+              </a:solidFill>
+              <a:sym typeface="+mn-ea"/>
+            </a:endParaRPr>
+          </a:p>
+        </p:txBody>
+      </p:sp>
+      <p:sp>
+        <p:nvSpPr>
+          <p:cNvPr id="8" name="文本框 7"/>
+          <p:cNvSpPr txBox="1"/>
+          <p:nvPr/>
+        </p:nvSpPr>
+        <p:spPr>
+          <a:xfrm>
+            <a:off x="6459220" y="1724025"/>
+            <a:ext cx="4902200" cy="2861310"/>
+          </a:xfrm>
+          <a:prstGeom prst="rect">
+            <a:avLst/>
+          </a:prstGeom>
+          <a:noFill/>
+        </p:spPr>
+        <p:txBody>
+          <a:bodyPr wrap="square" rtlCol="0">
+            <a:spAutoFit/>
+          </a:bodyPr>
+          <a:p>
+            <a:pPr algn="ctr"/>
+            <a:r>
+              <a:rPr lang="en-US" altLang="zh-CN" sz="6000">
+                <a:solidFill>
+                  <a:schemeClr val="bg1"/>
+                </a:solidFill>
+                <a:sym typeface="+mn-ea"/>
+              </a:rPr>
+              <a:t>debounce</a:t>
+            </a:r>
+            <a:endParaRPr lang="en-US" altLang="zh-CN" sz="6000">
+              <a:solidFill>
+                <a:schemeClr val="bg1"/>
+              </a:solidFill>
+              <a:sym typeface="+mn-ea"/>
+            </a:endParaRPr>
+          </a:p>
+          <a:p>
+            <a:pPr algn="ctr"/>
+            <a:endParaRPr lang="en-US" altLang="zh-CN" sz="6000">
+              <a:solidFill>
+                <a:schemeClr val="bg1"/>
+              </a:solidFill>
+              <a:sym typeface="+mn-ea"/>
+            </a:endParaRPr>
+          </a:p>
+          <a:p>
+            <a:pPr algn="ctr"/>
+            <a:r>
+              <a:rPr lang="zh-CN" altLang="en-US" sz="6000">
+                <a:solidFill>
+                  <a:schemeClr val="bg1"/>
+                </a:solidFill>
+                <a:sym typeface="+mn-ea"/>
+              </a:rPr>
+              <a:t>电梯</a:t>
+            </a:r>
+            <a:endParaRPr lang="zh-CN" altLang="en-US" sz="6000">
+              <a:solidFill>
+                <a:schemeClr val="bg1"/>
+              </a:solidFill>
+              <a:sym typeface="+mn-ea"/>
+            </a:endParaRPr>
+          </a:p>
+        </p:txBody>
+      </p:sp>
+    </p:spTree>
+    <p:custDataLst>
+      <p:tags r:id="rId1"/>
+    </p:custDataLst>
+  </p:cSld>
+  <p:clrMapOvr>
+    <a:masterClrMapping/>
+  </p:clrMapOvr>
+  <p:transition>
+    <p:pull/>
+  </p:transition>
 </p:sld>
 </file>
 
@@ -6320,6 +8044,139 @@
   <p:tag name="KSO_WM_SLIDE_LAYOUT_CNT" val="1_1"/>
   <p:tag name="KSO_WM_UNIT_SHOW_EDIT_AREA_INDICATION" val="1"/>
   <p:tag name="KSO_WM_TEMPLATE_THUMBS_INDEX" val="1、4、7、12、13、14、15、16、17、18、20、24、25、28、33、36、40、43、44"/>
+</p:tagLst>
+</file>
+
+<file path=ppt/tags/tag71.xml><?xml version="1.0" encoding="utf-8"?>
+<p:tagLst xmlns:p="http://schemas.openxmlformats.org/presentationml/2006/main">
+  <p:tag name="KSO_WM_UNIT_ISCONTENTSTITLE" val="0"/>
+  <p:tag name="KSO_WM_UNIT_PRESET_TEXT" val="单击此处添加标题"/>
+  <p:tag name="KSO_WM_UNIT_NOCLEAR" val="0"/>
+  <p:tag name="KSO_WM_UNIT_SHOW_EDIT_AREA_INDICATION" val="1"/>
+  <p:tag name="KSO_WM_UNIT_VALUE" val="26"/>
+  <p:tag name="KSO_WM_UNIT_HIGHLIGHT" val="0"/>
+  <p:tag name="KSO_WM_UNIT_COMPATIBLE" val="0"/>
+  <p:tag name="KSO_WM_UNIT_DIAGRAM_ISNUMVISUAL" val="0"/>
+  <p:tag name="KSO_WM_UNIT_DIAGRAM_ISREFERUNIT" val="0"/>
+  <p:tag name="KSO_WM_UNIT_TYPE" val="a"/>
+  <p:tag name="KSO_WM_UNIT_INDEX" val="1"/>
+  <p:tag name="KSO_WM_UNIT_ID" val="custom20205175_13*a*1"/>
+  <p:tag name="KSO_WM_TEMPLATE_CATEGORY" val="custom"/>
+  <p:tag name="KSO_WM_TEMPLATE_INDEX" val="20205175"/>
+  <p:tag name="KSO_WM_UNIT_LAYERLEVEL" val="1"/>
+  <p:tag name="KSO_WM_TAG_VERSION" val="1.0"/>
+  <p:tag name="KSO_WM_BEAUTIFY_FLAG" val="#wm#"/>
+  <p:tag name="KSO_WM_UNIT_ISNUMDGMTITLE" val="0"/>
+</p:tagLst>
+</file>
+
+<file path=ppt/tags/tag72.xml><?xml version="1.0" encoding="utf-8"?>
+<p:tagLst xmlns:p="http://schemas.openxmlformats.org/presentationml/2006/main">
+  <p:tag name="KSO_WM_UNIT_PRESET_TEXT" val="单击此处添加正文"/>
+  <p:tag name="KSO_WM_UNIT_NOCLEAR" val="0"/>
+  <p:tag name="KSO_WM_UNIT_SHOW_EDIT_AREA_INDICATION" val="1"/>
+  <p:tag name="KSO_WM_UNIT_VALUE" val="689"/>
+  <p:tag name="KSO_WM_UNIT_HIGHLIGHT" val="0"/>
+  <p:tag name="KSO_WM_UNIT_COMPATIBLE" val="0"/>
+  <p:tag name="KSO_WM_UNIT_DIAGRAM_ISNUMVISUAL" val="0"/>
+  <p:tag name="KSO_WM_UNIT_DIAGRAM_ISREFERUNIT" val="0"/>
+  <p:tag name="KSO_WM_UNIT_TYPE" val="f"/>
+  <p:tag name="KSO_WM_UNIT_INDEX" val="1"/>
+  <p:tag name="KSO_WM_UNIT_ID" val="custom20205175_13*f*1"/>
+  <p:tag name="KSO_WM_TEMPLATE_CATEGORY" val="custom"/>
+  <p:tag name="KSO_WM_TEMPLATE_INDEX" val="20205175"/>
+  <p:tag name="KSO_WM_UNIT_LAYERLEVEL" val="1"/>
+  <p:tag name="KSO_WM_TAG_VERSION" val="1.0"/>
+  <p:tag name="KSO_WM_BEAUTIFY_FLAG" val="#wm#"/>
+</p:tagLst>
+</file>
+
+<file path=ppt/tags/tag73.xml><?xml version="1.0" encoding="utf-8"?>
+<p:tagLst xmlns:p="http://schemas.openxmlformats.org/presentationml/2006/main">
+  <p:tag name="KSO_WM_BEAUTIFY_FLAG" val="#wm#"/>
+  <p:tag name="KSO_WM_TEMPLATE_CATEGORY" val="custom"/>
+  <p:tag name="KSO_WM_TEMPLATE_INDEX" val="20205175"/>
+  <p:tag name="KSO_WM_SLIDE_ID" val="custom20205175_13"/>
+  <p:tag name="KSO_WM_TEMPLATE_SUBCATEGORY" val="19"/>
+  <p:tag name="KSO_WM_TEMPLATE_MASTER_TYPE" val="0"/>
+  <p:tag name="KSO_WM_TEMPLATE_COLOR_TYPE" val="1"/>
+  <p:tag name="KSO_WM_SLIDE_ITEM_CNT" val="0"/>
+  <p:tag name="KSO_WM_SLIDE_INDEX" val="13"/>
+  <p:tag name="KSO_WM_TAG_VERSION" val="1.0"/>
+  <p:tag name="KSO_WM_SLIDE_TYPE" val="text"/>
+  <p:tag name="KSO_WM_SLIDE_SUBTYPE" val="pureTxt"/>
+  <p:tag name="KSO_WM_SLIDE_SIZE" val="863*444"/>
+  <p:tag name="KSO_WM_SLIDE_POSITION" val="47*47"/>
+  <p:tag name="KSO_WM_SLIDE_LAYOUT" val="a_f"/>
+  <p:tag name="KSO_WM_SLIDE_LAYOUT_CNT" val="1_1"/>
+  <p:tag name="KSO_WM_UNIT_SHOW_EDIT_AREA_INDICATION" val="1"/>
+</p:tagLst>
+</file>
+
+<file path=ppt/tags/tag74.xml><?xml version="1.0" encoding="utf-8"?>
+<p:tagLst xmlns:p="http://schemas.openxmlformats.org/presentationml/2006/main">
+  <p:tag name="KSO_WM_BEAUTIFY_FLAG" val="#wm#"/>
+  <p:tag name="KSO_WM_TEMPLATE_CATEGORY" val="custom"/>
+  <p:tag name="KSO_WM_TEMPLATE_INDEX" val="20205175"/>
+</p:tagLst>
+</file>
+
+<file path=ppt/tags/tag75.xml><?xml version="1.0" encoding="utf-8"?>
+<p:tagLst xmlns:p="http://schemas.openxmlformats.org/presentationml/2006/main">
+  <p:tag name="KSO_WM_BEAUTIFY_FLAG" val="#wm#"/>
+  <p:tag name="KSO_WM_TEMPLATE_CATEGORY" val="custom"/>
+  <p:tag name="KSO_WM_TEMPLATE_INDEX" val="20205175"/>
+  <p:tag name="KSO_WM_SLIDE_ID" val="custom20205175_15"/>
+  <p:tag name="KSO_WM_TEMPLATE_SUBCATEGORY" val="19"/>
+  <p:tag name="KSO_WM_TEMPLATE_MASTER_TYPE" val="0"/>
+  <p:tag name="KSO_WM_TEMPLATE_COLOR_TYPE" val="1"/>
+  <p:tag name="KSO_WM_SLIDE_ITEM_CNT" val="0"/>
+  <p:tag name="KSO_WM_SLIDE_INDEX" val="15"/>
+  <p:tag name="KSO_WM_TAG_VERSION" val="1.0"/>
+  <p:tag name="KSO_WM_SLIDE_TYPE" val="text"/>
+  <p:tag name="KSO_WM_SLIDE_SUBTYPE" val="pureTxt"/>
+  <p:tag name="KSO_WM_SLIDE_SIZE" val="864*444"/>
+  <p:tag name="KSO_WM_SLIDE_POSITION" val="47*47"/>
+  <p:tag name="KSO_WM_SLIDE_LAYOUT" val="a_f"/>
+  <p:tag name="KSO_WM_SLIDE_LAYOUT_CNT" val="1_2"/>
+  <p:tag name="KSO_WM_UNIT_SHOW_EDIT_AREA_INDICATION" val="1"/>
+</p:tagLst>
+</file>
+
+<file path=ppt/tags/tag76.xml><?xml version="1.0" encoding="utf-8"?>
+<p:tagLst xmlns:p="http://schemas.openxmlformats.org/presentationml/2006/main">
+  <p:tag name="KSO_WM_UNIT_TABLE_BEAUTIFY" val="smartTable{bca4ae8f-584d-46e9-8200-c19a3f42646c}"/>
+  <p:tag name="TABLE_ENDDRAG_ORIGIN_RECT" val="671*312"/>
+  <p:tag name="TABLE_ENDDRAG_RECT" val="145*174*671*312"/>
+</p:tagLst>
+</file>
+
+<file path=ppt/tags/tag77.xml><?xml version="1.0" encoding="utf-8"?>
+<p:tagLst xmlns:p="http://schemas.openxmlformats.org/presentationml/2006/main">
+  <p:tag name="KSO_WM_SLIDE_ID" val="custom20205175_1"/>
+  <p:tag name="KSO_WM_TEMPLATE_SUBCATEGORY" val="19"/>
+  <p:tag name="KSO_WM_TEMPLATE_MASTER_TYPE" val="0"/>
+  <p:tag name="KSO_WM_TEMPLATE_COLOR_TYPE" val="1"/>
+  <p:tag name="KSO_WM_SLIDE_TYPE" val="title"/>
+  <p:tag name="KSO_WM_SLIDE_SUBTYPE" val="defaultBlank"/>
+  <p:tag name="KSO_WM_SLIDE_ITEM_CNT" val="0"/>
+  <p:tag name="KSO_WM_SLIDE_INDEX" val="1"/>
+  <p:tag name="KSO_WM_TAG_VERSION" val="1.0"/>
+  <p:tag name="KSO_WM_BEAUTIFY_FLAG" val="#wm#"/>
+  <p:tag name="KSO_WM_TEMPLATE_CATEGORY" val="custom"/>
+  <p:tag name="KSO_WM_TEMPLATE_INDEX" val="20205175"/>
+  <p:tag name="KSO_WM_SLIDE_LAYOUT" val="a_b"/>
+  <p:tag name="KSO_WM_SLIDE_LAYOUT_CNT" val="1_1"/>
+  <p:tag name="KSO_WM_UNIT_SHOW_EDIT_AREA_INDICATION" val="1"/>
+  <p:tag name="KSO_WM_TEMPLATE_THUMBS_INDEX" val="1、4、7、12、13、14、15、16、17、18、20、24、25、28、33、36、40、43、44"/>
+</p:tagLst>
+</file>
+
+<file path=ppt/tags/tag78.xml><?xml version="1.0" encoding="utf-8"?>
+<p:tagLst xmlns:p="http://schemas.openxmlformats.org/presentationml/2006/main">
+  <p:tag name="KSO_WM_BEAUTIFY_FLAG" val="#wm#"/>
+  <p:tag name="KSO_WM_TEMPLATE_CATEGORY" val="custom"/>
+  <p:tag name="KSO_WM_TEMPLATE_INDEX" val="20205175"/>
 </p:tagLst>
 </file>
 
